--- a/comparison field/all figures.pptx
+++ b/comparison field/all figures.pptx
@@ -199,7 +199,7 @@
           <a:p>
             <a:fld id="{5EF4C8FF-82A0-4247-8241-D19608562758}" type="datetimeFigureOut">
               <a:rPr lang="en-US" smtClean="0"/>
-              <a:t>12/1/2021</a:t>
+              <a:t>12/9/2021</a:t>
             </a:fld>
             <a:endParaRPr lang="en-US"/>
           </a:p>
@@ -863,7 +863,7 @@
           <a:p>
             <a:fld id="{9BF660D2-E8B3-42D2-9D64-A0B16FC06F73}" type="datetimeFigureOut">
               <a:rPr lang="en-US" smtClean="0"/>
-              <a:t>12/1/2021</a:t>
+              <a:t>12/9/2021</a:t>
             </a:fld>
             <a:endParaRPr lang="en-US"/>
           </a:p>
@@ -1033,7 +1033,7 @@
           <a:p>
             <a:fld id="{9BF660D2-E8B3-42D2-9D64-A0B16FC06F73}" type="datetimeFigureOut">
               <a:rPr lang="en-US" smtClean="0"/>
-              <a:t>12/1/2021</a:t>
+              <a:t>12/9/2021</a:t>
             </a:fld>
             <a:endParaRPr lang="en-US"/>
           </a:p>
@@ -1213,7 +1213,7 @@
           <a:p>
             <a:fld id="{9BF660D2-E8B3-42D2-9D64-A0B16FC06F73}" type="datetimeFigureOut">
               <a:rPr lang="en-US" smtClean="0"/>
-              <a:t>12/1/2021</a:t>
+              <a:t>12/9/2021</a:t>
             </a:fld>
             <a:endParaRPr lang="en-US"/>
           </a:p>
@@ -1383,7 +1383,7 @@
           <a:p>
             <a:fld id="{9BF660D2-E8B3-42D2-9D64-A0B16FC06F73}" type="datetimeFigureOut">
               <a:rPr lang="en-US" smtClean="0"/>
-              <a:t>12/1/2021</a:t>
+              <a:t>12/9/2021</a:t>
             </a:fld>
             <a:endParaRPr lang="en-US"/>
           </a:p>
@@ -1627,7 +1627,7 @@
           <a:p>
             <a:fld id="{9BF660D2-E8B3-42D2-9D64-A0B16FC06F73}" type="datetimeFigureOut">
               <a:rPr lang="en-US" smtClean="0"/>
-              <a:t>12/1/2021</a:t>
+              <a:t>12/9/2021</a:t>
             </a:fld>
             <a:endParaRPr lang="en-US"/>
           </a:p>
@@ -1859,7 +1859,7 @@
           <a:p>
             <a:fld id="{9BF660D2-E8B3-42D2-9D64-A0B16FC06F73}" type="datetimeFigureOut">
               <a:rPr lang="en-US" smtClean="0"/>
-              <a:t>12/1/2021</a:t>
+              <a:t>12/9/2021</a:t>
             </a:fld>
             <a:endParaRPr lang="en-US"/>
           </a:p>
@@ -2226,7 +2226,7 @@
           <a:p>
             <a:fld id="{9BF660D2-E8B3-42D2-9D64-A0B16FC06F73}" type="datetimeFigureOut">
               <a:rPr lang="en-US" smtClean="0"/>
-              <a:t>12/1/2021</a:t>
+              <a:t>12/9/2021</a:t>
             </a:fld>
             <a:endParaRPr lang="en-US"/>
           </a:p>
@@ -2344,7 +2344,7 @@
           <a:p>
             <a:fld id="{9BF660D2-E8B3-42D2-9D64-A0B16FC06F73}" type="datetimeFigureOut">
               <a:rPr lang="en-US" smtClean="0"/>
-              <a:t>12/1/2021</a:t>
+              <a:t>12/9/2021</a:t>
             </a:fld>
             <a:endParaRPr lang="en-US"/>
           </a:p>
@@ -2439,7 +2439,7 @@
           <a:p>
             <a:fld id="{9BF660D2-E8B3-42D2-9D64-A0B16FC06F73}" type="datetimeFigureOut">
               <a:rPr lang="en-US" smtClean="0"/>
-              <a:t>12/1/2021</a:t>
+              <a:t>12/9/2021</a:t>
             </a:fld>
             <a:endParaRPr lang="en-US"/>
           </a:p>
@@ -2716,7 +2716,7 @@
           <a:p>
             <a:fld id="{9BF660D2-E8B3-42D2-9D64-A0B16FC06F73}" type="datetimeFigureOut">
               <a:rPr lang="en-US" smtClean="0"/>
-              <a:t>12/1/2021</a:t>
+              <a:t>12/9/2021</a:t>
             </a:fld>
             <a:endParaRPr lang="en-US"/>
           </a:p>
@@ -2973,7 +2973,7 @@
           <a:p>
             <a:fld id="{9BF660D2-E8B3-42D2-9D64-A0B16FC06F73}" type="datetimeFigureOut">
               <a:rPr lang="en-US" smtClean="0"/>
-              <a:t>12/1/2021</a:t>
+              <a:t>12/9/2021</a:t>
             </a:fld>
             <a:endParaRPr lang="en-US"/>
           </a:p>
@@ -3186,7 +3186,7 @@
           <a:p>
             <a:fld id="{9BF660D2-E8B3-42D2-9D64-A0B16FC06F73}" type="datetimeFigureOut">
               <a:rPr lang="en-US" smtClean="0"/>
-              <a:t>12/1/2021</a:t>
+              <a:t>12/9/2021</a:t>
             </a:fld>
             <a:endParaRPr lang="en-US"/>
           </a:p>
@@ -3624,7 +3624,7 @@
             <a:pPr algn="ctr"/>
             <a:r>
               <a:rPr lang="en-US" sz="2500" dirty="0"/>
-              <a:t>A. Field transect</a:t>
+              <a:t>Field transect</a:t>
             </a:r>
           </a:p>
         </p:txBody>
@@ -3661,11 +3661,7 @@
           <a:p>
             <a:pPr algn="ctr"/>
             <a:r>
-              <a:rPr lang="en-US" sz="2500" dirty="0"/>
-              <a:t>B. </a:t>
-            </a:r>
-            <a:r>
-              <a:rPr lang="en-US" sz="2500" dirty="0" err="1"/>
+              <a:rPr lang="en-US" sz="2500"/>
               <a:t>LidarLDA</a:t>
             </a:r>
             <a:r>
